--- a/data_analysis/src/varios/Logos.pptx
+++ b/data_analysis/src/varios/Logos.pptx
@@ -7,6 +7,7 @@
   <p:sldIdLst>
     <p:sldId id="256" r:id="rId2"/>
     <p:sldId id="257" r:id="rId3"/>
+    <p:sldId id="258" r:id="rId4"/>
   </p:sldIdLst>
   <p:sldSz cx="12192000" cy="6858000"/>
   <p:notesSz cx="6858000" cy="9144000"/>
@@ -262,7 +263,7 @@
           <a:p>
             <a:fld id="{D9AE49ED-009D-47EC-B42B-6AD5A9E54989}" type="datetimeFigureOut">
               <a:rPr lang="es-CO" smtClean="0"/>
-              <a:t>26/09/2023</a:t>
+              <a:t>5/10/2023</a:t>
             </a:fld>
             <a:endParaRPr lang="es-CO"/>
           </a:p>
@@ -462,7 +463,7 @@
           <a:p>
             <a:fld id="{D9AE49ED-009D-47EC-B42B-6AD5A9E54989}" type="datetimeFigureOut">
               <a:rPr lang="es-CO" smtClean="0"/>
-              <a:t>26/09/2023</a:t>
+              <a:t>5/10/2023</a:t>
             </a:fld>
             <a:endParaRPr lang="es-CO"/>
           </a:p>
@@ -672,7 +673,7 @@
           <a:p>
             <a:fld id="{D9AE49ED-009D-47EC-B42B-6AD5A9E54989}" type="datetimeFigureOut">
               <a:rPr lang="es-CO" smtClean="0"/>
-              <a:t>26/09/2023</a:t>
+              <a:t>5/10/2023</a:t>
             </a:fld>
             <a:endParaRPr lang="es-CO"/>
           </a:p>
@@ -872,7 +873,7 @@
           <a:p>
             <a:fld id="{D9AE49ED-009D-47EC-B42B-6AD5A9E54989}" type="datetimeFigureOut">
               <a:rPr lang="es-CO" smtClean="0"/>
-              <a:t>26/09/2023</a:t>
+              <a:t>5/10/2023</a:t>
             </a:fld>
             <a:endParaRPr lang="es-CO"/>
           </a:p>
@@ -1148,7 +1149,7 @@
           <a:p>
             <a:fld id="{D9AE49ED-009D-47EC-B42B-6AD5A9E54989}" type="datetimeFigureOut">
               <a:rPr lang="es-CO" smtClean="0"/>
-              <a:t>26/09/2023</a:t>
+              <a:t>5/10/2023</a:t>
             </a:fld>
             <a:endParaRPr lang="es-CO"/>
           </a:p>
@@ -1416,7 +1417,7 @@
           <a:p>
             <a:fld id="{D9AE49ED-009D-47EC-B42B-6AD5A9E54989}" type="datetimeFigureOut">
               <a:rPr lang="es-CO" smtClean="0"/>
-              <a:t>26/09/2023</a:t>
+              <a:t>5/10/2023</a:t>
             </a:fld>
             <a:endParaRPr lang="es-CO"/>
           </a:p>
@@ -1831,7 +1832,7 @@
           <a:p>
             <a:fld id="{D9AE49ED-009D-47EC-B42B-6AD5A9E54989}" type="datetimeFigureOut">
               <a:rPr lang="es-CO" smtClean="0"/>
-              <a:t>26/09/2023</a:t>
+              <a:t>5/10/2023</a:t>
             </a:fld>
             <a:endParaRPr lang="es-CO"/>
           </a:p>
@@ -1973,7 +1974,7 @@
           <a:p>
             <a:fld id="{D9AE49ED-009D-47EC-B42B-6AD5A9E54989}" type="datetimeFigureOut">
               <a:rPr lang="es-CO" smtClean="0"/>
-              <a:t>26/09/2023</a:t>
+              <a:t>5/10/2023</a:t>
             </a:fld>
             <a:endParaRPr lang="es-CO"/>
           </a:p>
@@ -2086,7 +2087,7 @@
           <a:p>
             <a:fld id="{D9AE49ED-009D-47EC-B42B-6AD5A9E54989}" type="datetimeFigureOut">
               <a:rPr lang="es-CO" smtClean="0"/>
-              <a:t>26/09/2023</a:t>
+              <a:t>5/10/2023</a:t>
             </a:fld>
             <a:endParaRPr lang="es-CO"/>
           </a:p>
@@ -2399,7 +2400,7 @@
           <a:p>
             <a:fld id="{D9AE49ED-009D-47EC-B42B-6AD5A9E54989}" type="datetimeFigureOut">
               <a:rPr lang="es-CO" smtClean="0"/>
-              <a:t>26/09/2023</a:t>
+              <a:t>5/10/2023</a:t>
             </a:fld>
             <a:endParaRPr lang="es-CO"/>
           </a:p>
@@ -2688,7 +2689,7 @@
           <a:p>
             <a:fld id="{D9AE49ED-009D-47EC-B42B-6AD5A9E54989}" type="datetimeFigureOut">
               <a:rPr lang="es-CO" smtClean="0"/>
-              <a:t>26/09/2023</a:t>
+              <a:t>5/10/2023</a:t>
             </a:fld>
             <a:endParaRPr lang="es-CO"/>
           </a:p>
@@ -2931,7 +2932,7 @@
           <a:p>
             <a:fld id="{D9AE49ED-009D-47EC-B42B-6AD5A9E54989}" type="datetimeFigureOut">
               <a:rPr lang="es-CO" smtClean="0"/>
-              <a:t>26/09/2023</a:t>
+              <a:t>5/10/2023</a:t>
             </a:fld>
             <a:endParaRPr lang="es-CO"/>
           </a:p>
@@ -4428,6 +4429,574 @@
 </p:sld>
 </file>
 
+<file path=ppt/slides/slide3.xml><?xml version="1.0" encoding="utf-8"?>
+<p:sld xmlns:a="http://schemas.openxmlformats.org/drawingml/2006/main" xmlns:r="http://schemas.openxmlformats.org/officeDocument/2006/relationships" xmlns:p="http://schemas.openxmlformats.org/presentationml/2006/main">
+  <p:cSld>
+    <p:spTree>
+      <p:nvGrpSpPr>
+        <p:cNvPr id="1" name=""/>
+        <p:cNvGrpSpPr/>
+        <p:nvPr/>
+      </p:nvGrpSpPr>
+      <p:grpSpPr>
+        <a:xfrm>
+          <a:off x="0" y="0"/>
+          <a:ext cx="0" cy="0"/>
+          <a:chOff x="0" y="0"/>
+          <a:chExt cx="0" cy="0"/>
+        </a:xfrm>
+      </p:grpSpPr>
+      <p:grpSp>
+        <p:nvGrpSpPr>
+          <p:cNvPr id="5" name="Grupo 4">
+            <a:extLst>
+              <a:ext uri="{FF2B5EF4-FFF2-40B4-BE49-F238E27FC236}">
+                <a16:creationId xmlns:a16="http://schemas.microsoft.com/office/drawing/2014/main" id="{F7B5671F-F6FD-4EE3-B81B-C4F0C149936C}"/>
+              </a:ext>
+            </a:extLst>
+          </p:cNvPr>
+          <p:cNvGrpSpPr/>
+          <p:nvPr/>
+        </p:nvGrpSpPr>
+        <p:grpSpPr>
+          <a:xfrm>
+            <a:off x="206062" y="312851"/>
+            <a:ext cx="8010660" cy="1316035"/>
+            <a:chOff x="631065" y="763615"/>
+            <a:chExt cx="8010660" cy="1316035"/>
+          </a:xfrm>
+        </p:grpSpPr>
+        <p:sp>
+          <p:nvSpPr>
+            <p:cNvPr id="2" name="Título 1">
+              <a:extLst>
+                <a:ext uri="{FF2B5EF4-FFF2-40B4-BE49-F238E27FC236}">
+                  <a16:creationId xmlns:a16="http://schemas.microsoft.com/office/drawing/2014/main" id="{4B032333-E568-4704-89AB-5AD5BBD2EF26}"/>
+                </a:ext>
+              </a:extLst>
+            </p:cNvPr>
+            <p:cNvSpPr txBox="1">
+              <a:spLocks/>
+            </p:cNvSpPr>
+            <p:nvPr/>
+          </p:nvSpPr>
+          <p:spPr>
+            <a:xfrm>
+              <a:off x="1872189" y="763616"/>
+              <a:ext cx="6769536" cy="965699"/>
+            </a:xfrm>
+            <a:prstGeom prst="rect">
+              <a:avLst/>
+            </a:prstGeom>
+          </p:spPr>
+          <p:txBody>
+            <a:bodyPr anchor="ctr">
+              <a:noAutofit/>
+            </a:bodyPr>
+            <a:lstStyle>
+              <a:lvl1pPr algn="l" defTabSz="914400" rtl="0" eaLnBrk="1" latinLnBrk="0" hangingPunct="1">
+                <a:lnSpc>
+                  <a:spcPct val="90000"/>
+                </a:lnSpc>
+                <a:spcBef>
+                  <a:spcPct val="0"/>
+                </a:spcBef>
+                <a:buNone/>
+                <a:defRPr sz="4400" kern="1200">
+                  <a:solidFill>
+                    <a:schemeClr val="tx1"/>
+                  </a:solidFill>
+                  <a:latin typeface="+mj-lt"/>
+                  <a:ea typeface="+mj-ea"/>
+                  <a:cs typeface="+mj-cs"/>
+                </a:defRPr>
+              </a:lvl1pPr>
+            </a:lstStyle>
+            <a:p>
+              <a:r>
+                <a:rPr lang="es-CO" sz="5400" b="1" spc="-150" dirty="0">
+                  <a:effectLst>
+                    <a:outerShdw blurRad="38100" dist="38100" dir="2700000" algn="tl">
+                      <a:srgbClr val="000000">
+                        <a:alpha val="43137"/>
+                      </a:srgbClr>
+                    </a:outerShdw>
+                  </a:effectLst>
+                  <a:latin typeface="Arial" panose="020B0604020202020204" pitchFamily="34" charset="0"/>
+                  <a:cs typeface="Arial" panose="020B0604020202020204" pitchFamily="34" charset="0"/>
+                </a:rPr>
+                <a:t>HANDY FACTS Corp.</a:t>
+              </a:r>
+              <a:endParaRPr lang="es-CO" sz="5400" b="1" spc="-150" dirty="0">
+                <a:latin typeface="Arial" panose="020B0604020202020204" pitchFamily="34" charset="0"/>
+                <a:cs typeface="Arial" panose="020B0604020202020204" pitchFamily="34" charset="0"/>
+              </a:endParaRPr>
+            </a:p>
+          </p:txBody>
+        </p:sp>
+        <p:sp>
+          <p:nvSpPr>
+            <p:cNvPr id="3" name="Subtítulo 2">
+              <a:extLst>
+                <a:ext uri="{FF2B5EF4-FFF2-40B4-BE49-F238E27FC236}">
+                  <a16:creationId xmlns:a16="http://schemas.microsoft.com/office/drawing/2014/main" id="{E2829004-8607-4BED-8753-70857711A188}"/>
+                </a:ext>
+              </a:extLst>
+            </p:cNvPr>
+            <p:cNvSpPr txBox="1">
+              <a:spLocks/>
+            </p:cNvSpPr>
+            <p:nvPr/>
+          </p:nvSpPr>
+          <p:spPr>
+            <a:xfrm>
+              <a:off x="1922554" y="1615448"/>
+              <a:ext cx="5963478" cy="371061"/>
+            </a:xfrm>
+            <a:prstGeom prst="rect">
+              <a:avLst/>
+            </a:prstGeom>
+          </p:spPr>
+          <p:txBody>
+            <a:bodyPr anchor="ctr">
+              <a:normAutofit/>
+            </a:bodyPr>
+            <a:lstStyle>
+              <a:lvl1pPr marL="228600" indent="-228600" algn="l" defTabSz="914400" rtl="0" eaLnBrk="1" latinLnBrk="0" hangingPunct="1">
+                <a:lnSpc>
+                  <a:spcPct val="90000"/>
+                </a:lnSpc>
+                <a:spcBef>
+                  <a:spcPts val="1000"/>
+                </a:spcBef>
+                <a:buFont typeface="Arial" panose="020B0604020202020204" pitchFamily="34" charset="0"/>
+                <a:buChar char="•"/>
+                <a:defRPr sz="2800" kern="1200">
+                  <a:solidFill>
+                    <a:schemeClr val="tx1"/>
+                  </a:solidFill>
+                  <a:latin typeface="+mn-lt"/>
+                  <a:ea typeface="+mn-ea"/>
+                  <a:cs typeface="+mn-cs"/>
+                </a:defRPr>
+              </a:lvl1pPr>
+              <a:lvl2pPr marL="685800" indent="-228600" algn="l" defTabSz="914400" rtl="0" eaLnBrk="1" latinLnBrk="0" hangingPunct="1">
+                <a:lnSpc>
+                  <a:spcPct val="90000"/>
+                </a:lnSpc>
+                <a:spcBef>
+                  <a:spcPts val="500"/>
+                </a:spcBef>
+                <a:buFont typeface="Arial" panose="020B0604020202020204" pitchFamily="34" charset="0"/>
+                <a:buChar char="•"/>
+                <a:defRPr sz="2400" kern="1200">
+                  <a:solidFill>
+                    <a:schemeClr val="tx1"/>
+                  </a:solidFill>
+                  <a:latin typeface="+mn-lt"/>
+                  <a:ea typeface="+mn-ea"/>
+                  <a:cs typeface="+mn-cs"/>
+                </a:defRPr>
+              </a:lvl2pPr>
+              <a:lvl3pPr marL="1143000" indent="-228600" algn="l" defTabSz="914400" rtl="0" eaLnBrk="1" latinLnBrk="0" hangingPunct="1">
+                <a:lnSpc>
+                  <a:spcPct val="90000"/>
+                </a:lnSpc>
+                <a:spcBef>
+                  <a:spcPts val="500"/>
+                </a:spcBef>
+                <a:buFont typeface="Arial" panose="020B0604020202020204" pitchFamily="34" charset="0"/>
+                <a:buChar char="•"/>
+                <a:defRPr sz="2000" kern="1200">
+                  <a:solidFill>
+                    <a:schemeClr val="tx1"/>
+                  </a:solidFill>
+                  <a:latin typeface="+mn-lt"/>
+                  <a:ea typeface="+mn-ea"/>
+                  <a:cs typeface="+mn-cs"/>
+                </a:defRPr>
+              </a:lvl3pPr>
+              <a:lvl4pPr marL="1600200" indent="-228600" algn="l" defTabSz="914400" rtl="0" eaLnBrk="1" latinLnBrk="0" hangingPunct="1">
+                <a:lnSpc>
+                  <a:spcPct val="90000"/>
+                </a:lnSpc>
+                <a:spcBef>
+                  <a:spcPts val="500"/>
+                </a:spcBef>
+                <a:buFont typeface="Arial" panose="020B0604020202020204" pitchFamily="34" charset="0"/>
+                <a:buChar char="•"/>
+                <a:defRPr sz="1800" kern="1200">
+                  <a:solidFill>
+                    <a:schemeClr val="tx1"/>
+                  </a:solidFill>
+                  <a:latin typeface="+mn-lt"/>
+                  <a:ea typeface="+mn-ea"/>
+                  <a:cs typeface="+mn-cs"/>
+                </a:defRPr>
+              </a:lvl4pPr>
+              <a:lvl5pPr marL="2057400" indent="-228600" algn="l" defTabSz="914400" rtl="0" eaLnBrk="1" latinLnBrk="0" hangingPunct="1">
+                <a:lnSpc>
+                  <a:spcPct val="90000"/>
+                </a:lnSpc>
+                <a:spcBef>
+                  <a:spcPts val="500"/>
+                </a:spcBef>
+                <a:buFont typeface="Arial" panose="020B0604020202020204" pitchFamily="34" charset="0"/>
+                <a:buChar char="•"/>
+                <a:defRPr sz="1800" kern="1200">
+                  <a:solidFill>
+                    <a:schemeClr val="tx1"/>
+                  </a:solidFill>
+                  <a:latin typeface="+mn-lt"/>
+                  <a:ea typeface="+mn-ea"/>
+                  <a:cs typeface="+mn-cs"/>
+                </a:defRPr>
+              </a:lvl5pPr>
+              <a:lvl6pPr marL="2514600" indent="-228600" algn="l" defTabSz="914400" rtl="0" eaLnBrk="1" latinLnBrk="0" hangingPunct="1">
+                <a:lnSpc>
+                  <a:spcPct val="90000"/>
+                </a:lnSpc>
+                <a:spcBef>
+                  <a:spcPts val="500"/>
+                </a:spcBef>
+                <a:buFont typeface="Arial" panose="020B0604020202020204" pitchFamily="34" charset="0"/>
+                <a:buChar char="•"/>
+                <a:defRPr sz="1800" kern="1200">
+                  <a:solidFill>
+                    <a:schemeClr val="tx1"/>
+                  </a:solidFill>
+                  <a:latin typeface="+mn-lt"/>
+                  <a:ea typeface="+mn-ea"/>
+                  <a:cs typeface="+mn-cs"/>
+                </a:defRPr>
+              </a:lvl6pPr>
+              <a:lvl7pPr marL="2971800" indent="-228600" algn="l" defTabSz="914400" rtl="0" eaLnBrk="1" latinLnBrk="0" hangingPunct="1">
+                <a:lnSpc>
+                  <a:spcPct val="90000"/>
+                </a:lnSpc>
+                <a:spcBef>
+                  <a:spcPts val="500"/>
+                </a:spcBef>
+                <a:buFont typeface="Arial" panose="020B0604020202020204" pitchFamily="34" charset="0"/>
+                <a:buChar char="•"/>
+                <a:defRPr sz="1800" kern="1200">
+                  <a:solidFill>
+                    <a:schemeClr val="tx1"/>
+                  </a:solidFill>
+                  <a:latin typeface="+mn-lt"/>
+                  <a:ea typeface="+mn-ea"/>
+                  <a:cs typeface="+mn-cs"/>
+                </a:defRPr>
+              </a:lvl7pPr>
+              <a:lvl8pPr marL="3429000" indent="-228600" algn="l" defTabSz="914400" rtl="0" eaLnBrk="1" latinLnBrk="0" hangingPunct="1">
+                <a:lnSpc>
+                  <a:spcPct val="90000"/>
+                </a:lnSpc>
+                <a:spcBef>
+                  <a:spcPts val="500"/>
+                </a:spcBef>
+                <a:buFont typeface="Arial" panose="020B0604020202020204" pitchFamily="34" charset="0"/>
+                <a:buChar char="•"/>
+                <a:defRPr sz="1800" kern="1200">
+                  <a:solidFill>
+                    <a:schemeClr val="tx1"/>
+                  </a:solidFill>
+                  <a:latin typeface="+mn-lt"/>
+                  <a:ea typeface="+mn-ea"/>
+                  <a:cs typeface="+mn-cs"/>
+                </a:defRPr>
+              </a:lvl8pPr>
+              <a:lvl9pPr marL="3886200" indent="-228600" algn="l" defTabSz="914400" rtl="0" eaLnBrk="1" latinLnBrk="0" hangingPunct="1">
+                <a:lnSpc>
+                  <a:spcPct val="90000"/>
+                </a:lnSpc>
+                <a:spcBef>
+                  <a:spcPts val="500"/>
+                </a:spcBef>
+                <a:buFont typeface="Arial" panose="020B0604020202020204" pitchFamily="34" charset="0"/>
+                <a:buChar char="•"/>
+                <a:defRPr sz="1800" kern="1200">
+                  <a:solidFill>
+                    <a:schemeClr val="tx1"/>
+                  </a:solidFill>
+                  <a:latin typeface="+mn-lt"/>
+                  <a:ea typeface="+mn-ea"/>
+                  <a:cs typeface="+mn-cs"/>
+                </a:defRPr>
+              </a:lvl9pPr>
+            </a:lstStyle>
+            <a:p>
+              <a:pPr marL="0" indent="0">
+                <a:buNone/>
+              </a:pPr>
+              <a:r>
+                <a:rPr lang="es-ES" sz="1900" i="1" dirty="0">
+                  <a:solidFill>
+                    <a:srgbClr val="111111"/>
+                  </a:solidFill>
+                  <a:latin typeface="-apple-system"/>
+                </a:rPr>
+                <a:t>¡Transformamos datos en inteligencia accionable!</a:t>
+              </a:r>
+              <a:endParaRPr lang="es-CO" sz="1900" dirty="0"/>
+            </a:p>
+          </p:txBody>
+        </p:sp>
+        <p:pic>
+          <p:nvPicPr>
+            <p:cNvPr id="4" name="Imagen 3">
+              <a:extLst>
+                <a:ext uri="{FF2B5EF4-FFF2-40B4-BE49-F238E27FC236}">
+                  <a16:creationId xmlns:a16="http://schemas.microsoft.com/office/drawing/2014/main" id="{EA0EA134-C7D8-4AF7-9560-59A2AA028B96}"/>
+                </a:ext>
+              </a:extLst>
+            </p:cNvPr>
+            <p:cNvPicPr>
+              <a:picLocks noChangeAspect="1"/>
+            </p:cNvPicPr>
+            <p:nvPr/>
+          </p:nvPicPr>
+          <p:blipFill rotWithShape="1">
+            <a:blip r:embed="rId2">
+              <a:extLst>
+                <a:ext uri="{28A0092B-C50C-407E-A947-70E740481C1C}">
+                  <a14:useLocalDpi xmlns:a14="http://schemas.microsoft.com/office/drawing/2010/main" val="0"/>
+                </a:ext>
+              </a:extLst>
+            </a:blip>
+            <a:srcRect l="-751" r="-751"/>
+            <a:stretch/>
+          </p:blipFill>
+          <p:spPr>
+            <a:xfrm>
+              <a:off x="631065" y="763615"/>
+              <a:ext cx="1370053" cy="1316035"/>
+            </a:xfrm>
+            <a:prstGeom prst="rect">
+              <a:avLst/>
+            </a:prstGeom>
+          </p:spPr>
+        </p:pic>
+      </p:grpSp>
+      <p:sp>
+        <p:nvSpPr>
+          <p:cNvPr id="10" name="Título 1">
+            <a:extLst>
+              <a:ext uri="{FF2B5EF4-FFF2-40B4-BE49-F238E27FC236}">
+                <a16:creationId xmlns:a16="http://schemas.microsoft.com/office/drawing/2014/main" id="{5C3B3A70-C187-43D4-932A-86A802CA75C1}"/>
+              </a:ext>
+            </a:extLst>
+          </p:cNvPr>
+          <p:cNvSpPr txBox="1">
+            <a:spLocks/>
+          </p:cNvSpPr>
+          <p:nvPr/>
+        </p:nvSpPr>
+        <p:spPr>
+          <a:xfrm>
+            <a:off x="1511581" y="2130383"/>
+            <a:ext cx="6769536" cy="965699"/>
+          </a:xfrm>
+          <a:prstGeom prst="rect">
+            <a:avLst/>
+          </a:prstGeom>
+        </p:spPr>
+        <p:txBody>
+          <a:bodyPr anchor="ctr">
+            <a:noAutofit/>
+          </a:bodyPr>
+          <a:lstStyle>
+            <a:lvl1pPr algn="l" defTabSz="914400" rtl="0" eaLnBrk="1" latinLnBrk="0" hangingPunct="1">
+              <a:lnSpc>
+                <a:spcPct val="90000"/>
+              </a:lnSpc>
+              <a:spcBef>
+                <a:spcPct val="0"/>
+              </a:spcBef>
+              <a:buNone/>
+              <a:defRPr sz="4400" kern="1200">
+                <a:solidFill>
+                  <a:schemeClr val="tx1"/>
+                </a:solidFill>
+                <a:latin typeface="+mj-lt"/>
+                <a:ea typeface="+mj-ea"/>
+                <a:cs typeface="+mj-cs"/>
+              </a:defRPr>
+            </a:lvl1pPr>
+          </a:lstStyle>
+          <a:p>
+            <a:r>
+              <a:rPr lang="es-CO" sz="5400" b="1" spc="-150" dirty="0">
+                <a:effectLst>
+                  <a:outerShdw blurRad="38100" dist="38100" dir="2700000" algn="tl">
+                    <a:srgbClr val="000000">
+                      <a:alpha val="43137"/>
+                    </a:srgbClr>
+                  </a:outerShdw>
+                </a:effectLst>
+                <a:latin typeface="Arial" panose="020B0604020202020204" pitchFamily="34" charset="0"/>
+                <a:cs typeface="Arial" panose="020B0604020202020204" pitchFamily="34" charset="0"/>
+              </a:rPr>
+              <a:t>COLABORADORES</a:t>
+            </a:r>
+            <a:endParaRPr lang="es-CO" sz="5400" b="1" spc="-150" dirty="0">
+              <a:latin typeface="Arial" panose="020B0604020202020204" pitchFamily="34" charset="0"/>
+              <a:cs typeface="Arial" panose="020B0604020202020204" pitchFamily="34" charset="0"/>
+            </a:endParaRPr>
+          </a:p>
+        </p:txBody>
+      </p:sp>
+      <p:pic>
+        <p:nvPicPr>
+          <p:cNvPr id="11" name="Imagen 10">
+            <a:extLst>
+              <a:ext uri="{FF2B5EF4-FFF2-40B4-BE49-F238E27FC236}">
+                <a16:creationId xmlns:a16="http://schemas.microsoft.com/office/drawing/2014/main" id="{ADC75491-C3BD-406E-83CE-060FE1167E61}"/>
+              </a:ext>
+            </a:extLst>
+          </p:cNvPr>
+          <p:cNvPicPr>
+            <a:picLocks noChangeAspect="1"/>
+          </p:cNvPicPr>
+          <p:nvPr/>
+        </p:nvPicPr>
+        <p:blipFill rotWithShape="1">
+          <a:blip r:embed="rId2">
+            <a:extLst>
+              <a:ext uri="{28A0092B-C50C-407E-A947-70E740481C1C}">
+                <a14:useLocalDpi xmlns:a14="http://schemas.microsoft.com/office/drawing/2010/main" val="0"/>
+              </a:ext>
+            </a:extLst>
+          </a:blip>
+          <a:srcRect l="-751" r="-751"/>
+          <a:stretch/>
+        </p:blipFill>
+        <p:spPr>
+          <a:xfrm>
+            <a:off x="206062" y="1975836"/>
+            <a:ext cx="1370053" cy="1316035"/>
+          </a:xfrm>
+          <a:prstGeom prst="rect">
+            <a:avLst/>
+          </a:prstGeom>
+        </p:spPr>
+      </p:pic>
+      <p:sp>
+        <p:nvSpPr>
+          <p:cNvPr id="12" name="Título 1">
+            <a:extLst>
+              <a:ext uri="{FF2B5EF4-FFF2-40B4-BE49-F238E27FC236}">
+                <a16:creationId xmlns:a16="http://schemas.microsoft.com/office/drawing/2014/main" id="{C91DE627-67CD-4BD6-B1FF-894A4DC38951}"/>
+              </a:ext>
+            </a:extLst>
+          </p:cNvPr>
+          <p:cNvSpPr txBox="1">
+            <a:spLocks/>
+          </p:cNvSpPr>
+          <p:nvPr/>
+        </p:nvSpPr>
+        <p:spPr>
+          <a:xfrm>
+            <a:off x="1529211" y="3545525"/>
+            <a:ext cx="9563331" cy="965699"/>
+          </a:xfrm>
+          <a:prstGeom prst="rect">
+            <a:avLst/>
+          </a:prstGeom>
+        </p:spPr>
+        <p:txBody>
+          <a:bodyPr anchor="ctr">
+            <a:noAutofit/>
+          </a:bodyPr>
+          <a:lstStyle>
+            <a:lvl1pPr algn="l" defTabSz="914400" rtl="0" eaLnBrk="1" latinLnBrk="0" hangingPunct="1">
+              <a:lnSpc>
+                <a:spcPct val="90000"/>
+              </a:lnSpc>
+              <a:spcBef>
+                <a:spcPct val="0"/>
+              </a:spcBef>
+              <a:buNone/>
+              <a:defRPr sz="4400" kern="1200">
+                <a:solidFill>
+                  <a:schemeClr val="tx1"/>
+                </a:solidFill>
+                <a:latin typeface="+mj-lt"/>
+                <a:ea typeface="+mj-ea"/>
+                <a:cs typeface="+mj-cs"/>
+              </a:defRPr>
+            </a:lvl1pPr>
+          </a:lstStyle>
+          <a:p>
+            <a:r>
+              <a:rPr lang="es-CO" sz="5400" b="1" spc="-150" dirty="0">
+                <a:effectLst>
+                  <a:outerShdw blurRad="38100" dist="38100" dir="2700000" algn="tl">
+                    <a:srgbClr val="000000">
+                      <a:alpha val="43137"/>
+                    </a:srgbClr>
+                  </a:outerShdw>
+                </a:effectLst>
+                <a:latin typeface="Arial" panose="020B0604020202020204" pitchFamily="34" charset="0"/>
+                <a:cs typeface="Arial" panose="020B0604020202020204" pitchFamily="34" charset="0"/>
+              </a:rPr>
+              <a:t>METODOLOGIA DE TRABAJO</a:t>
+            </a:r>
+            <a:endParaRPr lang="es-CO" sz="5400" b="1" spc="-150" dirty="0">
+              <a:latin typeface="Arial" panose="020B0604020202020204" pitchFamily="34" charset="0"/>
+              <a:cs typeface="Arial" panose="020B0604020202020204" pitchFamily="34" charset="0"/>
+            </a:endParaRPr>
+          </a:p>
+        </p:txBody>
+      </p:sp>
+      <p:pic>
+        <p:nvPicPr>
+          <p:cNvPr id="13" name="Imagen 12">
+            <a:extLst>
+              <a:ext uri="{FF2B5EF4-FFF2-40B4-BE49-F238E27FC236}">
+                <a16:creationId xmlns:a16="http://schemas.microsoft.com/office/drawing/2014/main" id="{D1419C89-5E89-4C21-9532-0316D17511BB}"/>
+              </a:ext>
+            </a:extLst>
+          </p:cNvPr>
+          <p:cNvPicPr>
+            <a:picLocks noChangeAspect="1"/>
+          </p:cNvPicPr>
+          <p:nvPr/>
+        </p:nvPicPr>
+        <p:blipFill rotWithShape="1">
+          <a:blip r:embed="rId2">
+            <a:extLst>
+              <a:ext uri="{28A0092B-C50C-407E-A947-70E740481C1C}">
+                <a14:useLocalDpi xmlns:a14="http://schemas.microsoft.com/office/drawing/2010/main" val="0"/>
+              </a:ext>
+            </a:extLst>
+          </a:blip>
+          <a:srcRect l="-751" r="-751"/>
+          <a:stretch/>
+        </p:blipFill>
+        <p:spPr>
+          <a:xfrm>
+            <a:off x="223693" y="3390978"/>
+            <a:ext cx="1370053" cy="1316035"/>
+          </a:xfrm>
+          <a:prstGeom prst="rect">
+            <a:avLst/>
+          </a:prstGeom>
+        </p:spPr>
+      </p:pic>
+    </p:spTree>
+    <p:extLst>
+      <p:ext uri="{BB962C8B-B14F-4D97-AF65-F5344CB8AC3E}">
+        <p14:creationId xmlns:p14="http://schemas.microsoft.com/office/powerpoint/2010/main" val="2705063734"/>
+      </p:ext>
+    </p:extLst>
+  </p:cSld>
+  <p:clrMapOvr>
+    <a:masterClrMapping/>
+  </p:clrMapOvr>
+</p:sld>
+</file>
+
 <file path=ppt/theme/theme1.xml><?xml version="1.0" encoding="utf-8"?>
 <a:theme xmlns:a="http://schemas.openxmlformats.org/drawingml/2006/main" name="Tema de Office">
   <a:themeElements>
